--- a/intrinsic image/first phase.pptx
+++ b/intrinsic image/first phase.pptx
@@ -231,7 +231,7 @@
           <a:p>
             <a:fld id="{81D1175D-9322-493E-A961-89F77C75D859}" type="datetimeFigureOut">
               <a:rPr lang="zh-CN" altLang="en-US" smtClean="0"/>
-              <a:t>2019/3/3</a:t>
+              <a:t>2019/3/15</a:t>
             </a:fld>
             <a:endParaRPr lang="zh-CN" altLang="en-US"/>
           </a:p>
@@ -1074,8 +1074,8 @@
         </p:nvSpPr>
         <p:spPr/>
       </p:sp>
-      <mc:AlternateContent xmlns:mc="http://schemas.openxmlformats.org/markup-compatibility/2006">
-        <mc:Choice xmlns:a14="http://schemas.microsoft.com/office/drawing/2010/main" Requires="a14">
+      <mc:AlternateContent xmlns:mc="http://schemas.openxmlformats.org/markup-compatibility/2006" xmlns:a14="http://schemas.microsoft.com/office/drawing/2010/main">
+        <mc:Choice Requires="a14">
           <p:sp>
             <p:nvSpPr>
               <p:cNvPr id="3" name="备注占位符 2"/>
@@ -1338,7 +1338,7 @@
             </p:txBody>
           </p:sp>
         </mc:Choice>
-        <mc:Fallback>
+        <mc:Fallback xmlns="">
           <p:sp>
             <p:nvSpPr>
               <p:cNvPr id="3" name="备注占位符 2"/>
@@ -1945,7 +1945,7 @@
           <a:p>
             <a:fld id="{75666920-4B6D-42C1-BA97-8860075AC865}" type="datetimeFigureOut">
               <a:rPr lang="zh-CN" altLang="en-US" smtClean="0"/>
-              <a:t>2019/3/3</a:t>
+              <a:t>2019/3/15</a:t>
             </a:fld>
             <a:endParaRPr lang="zh-CN" altLang="en-US"/>
           </a:p>
@@ -2143,7 +2143,7 @@
           <a:p>
             <a:fld id="{75666920-4B6D-42C1-BA97-8860075AC865}" type="datetimeFigureOut">
               <a:rPr lang="zh-CN" altLang="en-US" smtClean="0"/>
-              <a:t>2019/3/3</a:t>
+              <a:t>2019/3/15</a:t>
             </a:fld>
             <a:endParaRPr lang="zh-CN" altLang="en-US"/>
           </a:p>
@@ -2351,7 +2351,7 @@
           <a:p>
             <a:fld id="{75666920-4B6D-42C1-BA97-8860075AC865}" type="datetimeFigureOut">
               <a:rPr lang="zh-CN" altLang="en-US" smtClean="0"/>
-              <a:t>2019/3/3</a:t>
+              <a:t>2019/3/15</a:t>
             </a:fld>
             <a:endParaRPr lang="zh-CN" altLang="en-US"/>
           </a:p>
@@ -2549,7 +2549,7 @@
           <a:p>
             <a:fld id="{75666920-4B6D-42C1-BA97-8860075AC865}" type="datetimeFigureOut">
               <a:rPr lang="zh-CN" altLang="en-US" smtClean="0"/>
-              <a:t>2019/3/3</a:t>
+              <a:t>2019/3/15</a:t>
             </a:fld>
             <a:endParaRPr lang="zh-CN" altLang="en-US"/>
           </a:p>
@@ -2824,7 +2824,7 @@
           <a:p>
             <a:fld id="{75666920-4B6D-42C1-BA97-8860075AC865}" type="datetimeFigureOut">
               <a:rPr lang="zh-CN" altLang="en-US" smtClean="0"/>
-              <a:t>2019/3/3</a:t>
+              <a:t>2019/3/15</a:t>
             </a:fld>
             <a:endParaRPr lang="zh-CN" altLang="en-US"/>
           </a:p>
@@ -3089,7 +3089,7 @@
           <a:p>
             <a:fld id="{75666920-4B6D-42C1-BA97-8860075AC865}" type="datetimeFigureOut">
               <a:rPr lang="zh-CN" altLang="en-US" smtClean="0"/>
-              <a:t>2019/3/3</a:t>
+              <a:t>2019/3/15</a:t>
             </a:fld>
             <a:endParaRPr lang="zh-CN" altLang="en-US"/>
           </a:p>
@@ -3501,7 +3501,7 @@
           <a:p>
             <a:fld id="{75666920-4B6D-42C1-BA97-8860075AC865}" type="datetimeFigureOut">
               <a:rPr lang="zh-CN" altLang="en-US" smtClean="0"/>
-              <a:t>2019/3/3</a:t>
+              <a:t>2019/3/15</a:t>
             </a:fld>
             <a:endParaRPr lang="zh-CN" altLang="en-US"/>
           </a:p>
@@ -3642,7 +3642,7 @@
           <a:p>
             <a:fld id="{75666920-4B6D-42C1-BA97-8860075AC865}" type="datetimeFigureOut">
               <a:rPr lang="zh-CN" altLang="en-US" smtClean="0"/>
-              <a:t>2019/3/3</a:t>
+              <a:t>2019/3/15</a:t>
             </a:fld>
             <a:endParaRPr lang="zh-CN" altLang="en-US"/>
           </a:p>
@@ -3755,7 +3755,7 @@
           <a:p>
             <a:fld id="{75666920-4B6D-42C1-BA97-8860075AC865}" type="datetimeFigureOut">
               <a:rPr lang="zh-CN" altLang="en-US" smtClean="0"/>
-              <a:t>2019/3/3</a:t>
+              <a:t>2019/3/15</a:t>
             </a:fld>
             <a:endParaRPr lang="zh-CN" altLang="en-US"/>
           </a:p>
@@ -4066,7 +4066,7 @@
           <a:p>
             <a:fld id="{75666920-4B6D-42C1-BA97-8860075AC865}" type="datetimeFigureOut">
               <a:rPr lang="zh-CN" altLang="en-US" smtClean="0"/>
-              <a:t>2019/3/3</a:t>
+              <a:t>2019/3/15</a:t>
             </a:fld>
             <a:endParaRPr lang="zh-CN" altLang="en-US"/>
           </a:p>
@@ -4354,7 +4354,7 @@
           <a:p>
             <a:fld id="{75666920-4B6D-42C1-BA97-8860075AC865}" type="datetimeFigureOut">
               <a:rPr lang="zh-CN" altLang="en-US" smtClean="0"/>
-              <a:t>2019/3/3</a:t>
+              <a:t>2019/3/15</a:t>
             </a:fld>
             <a:endParaRPr lang="zh-CN" altLang="en-US"/>
           </a:p>
@@ -4595,7 +4595,7 @@
           <a:p>
             <a:fld id="{75666920-4B6D-42C1-BA97-8860075AC865}" type="datetimeFigureOut">
               <a:rPr lang="zh-CN" altLang="en-US" smtClean="0"/>
-              <a:t>2019/3/3</a:t>
+              <a:t>2019/3/15</a:t>
             </a:fld>
             <a:endParaRPr lang="zh-CN" altLang="en-US"/>
           </a:p>

--- a/intrinsic image/first phase.pptx
+++ b/intrinsic image/first phase.pptx
@@ -231,7 +231,7 @@
           <a:p>
             <a:fld id="{81D1175D-9322-493E-A961-89F77C75D859}" type="datetimeFigureOut">
               <a:rPr lang="zh-CN" altLang="en-US" smtClean="0"/>
-              <a:t>2019/3/15</a:t>
+              <a:t>2019/11/12</a:t>
             </a:fld>
             <a:endParaRPr lang="zh-CN" altLang="en-US"/>
           </a:p>
@@ -1945,7 +1945,7 @@
           <a:p>
             <a:fld id="{75666920-4B6D-42C1-BA97-8860075AC865}" type="datetimeFigureOut">
               <a:rPr lang="zh-CN" altLang="en-US" smtClean="0"/>
-              <a:t>2019/3/15</a:t>
+              <a:t>2019/11/12</a:t>
             </a:fld>
             <a:endParaRPr lang="zh-CN" altLang="en-US"/>
           </a:p>
@@ -2143,7 +2143,7 @@
           <a:p>
             <a:fld id="{75666920-4B6D-42C1-BA97-8860075AC865}" type="datetimeFigureOut">
               <a:rPr lang="zh-CN" altLang="en-US" smtClean="0"/>
-              <a:t>2019/3/15</a:t>
+              <a:t>2019/11/12</a:t>
             </a:fld>
             <a:endParaRPr lang="zh-CN" altLang="en-US"/>
           </a:p>
@@ -2351,7 +2351,7 @@
           <a:p>
             <a:fld id="{75666920-4B6D-42C1-BA97-8860075AC865}" type="datetimeFigureOut">
               <a:rPr lang="zh-CN" altLang="en-US" smtClean="0"/>
-              <a:t>2019/3/15</a:t>
+              <a:t>2019/11/12</a:t>
             </a:fld>
             <a:endParaRPr lang="zh-CN" altLang="en-US"/>
           </a:p>
@@ -2549,7 +2549,7 @@
           <a:p>
             <a:fld id="{75666920-4B6D-42C1-BA97-8860075AC865}" type="datetimeFigureOut">
               <a:rPr lang="zh-CN" altLang="en-US" smtClean="0"/>
-              <a:t>2019/3/15</a:t>
+              <a:t>2019/11/12</a:t>
             </a:fld>
             <a:endParaRPr lang="zh-CN" altLang="en-US"/>
           </a:p>
@@ -2824,7 +2824,7 @@
           <a:p>
             <a:fld id="{75666920-4B6D-42C1-BA97-8860075AC865}" type="datetimeFigureOut">
               <a:rPr lang="zh-CN" altLang="en-US" smtClean="0"/>
-              <a:t>2019/3/15</a:t>
+              <a:t>2019/11/12</a:t>
             </a:fld>
             <a:endParaRPr lang="zh-CN" altLang="en-US"/>
           </a:p>
@@ -3089,7 +3089,7 @@
           <a:p>
             <a:fld id="{75666920-4B6D-42C1-BA97-8860075AC865}" type="datetimeFigureOut">
               <a:rPr lang="zh-CN" altLang="en-US" smtClean="0"/>
-              <a:t>2019/3/15</a:t>
+              <a:t>2019/11/12</a:t>
             </a:fld>
             <a:endParaRPr lang="zh-CN" altLang="en-US"/>
           </a:p>
@@ -3501,7 +3501,7 @@
           <a:p>
             <a:fld id="{75666920-4B6D-42C1-BA97-8860075AC865}" type="datetimeFigureOut">
               <a:rPr lang="zh-CN" altLang="en-US" smtClean="0"/>
-              <a:t>2019/3/15</a:t>
+              <a:t>2019/11/12</a:t>
             </a:fld>
             <a:endParaRPr lang="zh-CN" altLang="en-US"/>
           </a:p>
@@ -3642,7 +3642,7 @@
           <a:p>
             <a:fld id="{75666920-4B6D-42C1-BA97-8860075AC865}" type="datetimeFigureOut">
               <a:rPr lang="zh-CN" altLang="en-US" smtClean="0"/>
-              <a:t>2019/3/15</a:t>
+              <a:t>2019/11/12</a:t>
             </a:fld>
             <a:endParaRPr lang="zh-CN" altLang="en-US"/>
           </a:p>
@@ -3755,7 +3755,7 @@
           <a:p>
             <a:fld id="{75666920-4B6D-42C1-BA97-8860075AC865}" type="datetimeFigureOut">
               <a:rPr lang="zh-CN" altLang="en-US" smtClean="0"/>
-              <a:t>2019/3/15</a:t>
+              <a:t>2019/11/12</a:t>
             </a:fld>
             <a:endParaRPr lang="zh-CN" altLang="en-US"/>
           </a:p>
@@ -4066,7 +4066,7 @@
           <a:p>
             <a:fld id="{75666920-4B6D-42C1-BA97-8860075AC865}" type="datetimeFigureOut">
               <a:rPr lang="zh-CN" altLang="en-US" smtClean="0"/>
-              <a:t>2019/3/15</a:t>
+              <a:t>2019/11/12</a:t>
             </a:fld>
             <a:endParaRPr lang="zh-CN" altLang="en-US"/>
           </a:p>
@@ -4354,7 +4354,7 @@
           <a:p>
             <a:fld id="{75666920-4B6D-42C1-BA97-8860075AC865}" type="datetimeFigureOut">
               <a:rPr lang="zh-CN" altLang="en-US" smtClean="0"/>
-              <a:t>2019/3/15</a:t>
+              <a:t>2019/11/12</a:t>
             </a:fld>
             <a:endParaRPr lang="zh-CN" altLang="en-US"/>
           </a:p>
@@ -4595,7 +4595,7 @@
           <a:p>
             <a:fld id="{75666920-4B6D-42C1-BA97-8860075AC865}" type="datetimeFigureOut">
               <a:rPr lang="zh-CN" altLang="en-US" smtClean="0"/>
-              <a:t>2019/3/15</a:t>
+              <a:t>2019/11/12</a:t>
             </a:fld>
             <a:endParaRPr lang="zh-CN" altLang="en-US"/>
           </a:p>
@@ -5034,11 +5034,18 @@
           <a:lstStyle/>
           <a:p>
             <a:r>
+              <a:rPr lang="zh-CN" altLang="en-US">
+                <a:latin typeface="楷体" panose="02010609060101010101" pitchFamily="49" charset="-122"/>
+                <a:ea typeface="楷体" panose="02010609060101010101" pitchFamily="49" charset="-122"/>
+              </a:rPr>
+              <a:t>本征图像</a:t>
+            </a:r>
+            <a:r>
               <a:rPr lang="zh-CN" altLang="en-US" dirty="0">
                 <a:latin typeface="楷体" panose="02010609060101010101" pitchFamily="49" charset="-122"/>
                 <a:ea typeface="楷体" panose="02010609060101010101" pitchFamily="49" charset="-122"/>
               </a:rPr>
-              <a:t>本质图像论文汇报（一）</a:t>
+              <a:t>论文汇报（一）</a:t>
             </a:r>
           </a:p>
         </p:txBody>
